--- a/output/Fig. 4. Map and area comparison.pptx
+++ b/output/Fig. 4. Map and area comparison.pptx
@@ -197,7 +197,7 @@
           <a:p>
             <a:fld id="{CC931BCF-E5B5-45AF-8A84-E54D2FEAD274}" type="datetimeFigureOut">
               <a:rPr lang="zh-TW" altLang="en-US" smtClean="0"/>
-              <a:t>2025/2/3</a:t>
+              <a:t>2025/2/5</a:t>
             </a:fld>
             <a:endParaRPr lang="zh-TW" altLang="en-US"/>
           </a:p>
@@ -679,7 +679,7 @@
           <a:p>
             <a:fld id="{FF25ECE2-089A-4B5C-894D-2FDF9AF4E829}" type="datetimeFigureOut">
               <a:rPr lang="zh-TW" altLang="en-US" smtClean="0"/>
-              <a:t>2025/2/3</a:t>
+              <a:t>2025/2/5</a:t>
             </a:fld>
             <a:endParaRPr lang="zh-TW" altLang="en-US"/>
           </a:p>
@@ -849,7 +849,7 @@
           <a:p>
             <a:fld id="{FF25ECE2-089A-4B5C-894D-2FDF9AF4E829}" type="datetimeFigureOut">
               <a:rPr lang="zh-TW" altLang="en-US" smtClean="0"/>
-              <a:t>2025/2/3</a:t>
+              <a:t>2025/2/5</a:t>
             </a:fld>
             <a:endParaRPr lang="zh-TW" altLang="en-US"/>
           </a:p>
@@ -1029,7 +1029,7 @@
           <a:p>
             <a:fld id="{FF25ECE2-089A-4B5C-894D-2FDF9AF4E829}" type="datetimeFigureOut">
               <a:rPr lang="zh-TW" altLang="en-US" smtClean="0"/>
-              <a:t>2025/2/3</a:t>
+              <a:t>2025/2/5</a:t>
             </a:fld>
             <a:endParaRPr lang="zh-TW" altLang="en-US"/>
           </a:p>
@@ -1199,7 +1199,7 @@
           <a:p>
             <a:fld id="{FF25ECE2-089A-4B5C-894D-2FDF9AF4E829}" type="datetimeFigureOut">
               <a:rPr lang="zh-TW" altLang="en-US" smtClean="0"/>
-              <a:t>2025/2/3</a:t>
+              <a:t>2025/2/5</a:t>
             </a:fld>
             <a:endParaRPr lang="zh-TW" altLang="en-US"/>
           </a:p>
@@ -1443,7 +1443,7 @@
           <a:p>
             <a:fld id="{FF25ECE2-089A-4B5C-894D-2FDF9AF4E829}" type="datetimeFigureOut">
               <a:rPr lang="zh-TW" altLang="en-US" smtClean="0"/>
-              <a:t>2025/2/3</a:t>
+              <a:t>2025/2/5</a:t>
             </a:fld>
             <a:endParaRPr lang="zh-TW" altLang="en-US"/>
           </a:p>
@@ -1675,7 +1675,7 @@
           <a:p>
             <a:fld id="{FF25ECE2-089A-4B5C-894D-2FDF9AF4E829}" type="datetimeFigureOut">
               <a:rPr lang="zh-TW" altLang="en-US" smtClean="0"/>
-              <a:t>2025/2/3</a:t>
+              <a:t>2025/2/5</a:t>
             </a:fld>
             <a:endParaRPr lang="zh-TW" altLang="en-US"/>
           </a:p>
@@ -2042,7 +2042,7 @@
           <a:p>
             <a:fld id="{FF25ECE2-089A-4B5C-894D-2FDF9AF4E829}" type="datetimeFigureOut">
               <a:rPr lang="zh-TW" altLang="en-US" smtClean="0"/>
-              <a:t>2025/2/3</a:t>
+              <a:t>2025/2/5</a:t>
             </a:fld>
             <a:endParaRPr lang="zh-TW" altLang="en-US"/>
           </a:p>
@@ -2160,7 +2160,7 @@
           <a:p>
             <a:fld id="{FF25ECE2-089A-4B5C-894D-2FDF9AF4E829}" type="datetimeFigureOut">
               <a:rPr lang="zh-TW" altLang="en-US" smtClean="0"/>
-              <a:t>2025/2/3</a:t>
+              <a:t>2025/2/5</a:t>
             </a:fld>
             <a:endParaRPr lang="zh-TW" altLang="en-US"/>
           </a:p>
@@ -2255,7 +2255,7 @@
           <a:p>
             <a:fld id="{FF25ECE2-089A-4B5C-894D-2FDF9AF4E829}" type="datetimeFigureOut">
               <a:rPr lang="zh-TW" altLang="en-US" smtClean="0"/>
-              <a:t>2025/2/3</a:t>
+              <a:t>2025/2/5</a:t>
             </a:fld>
             <a:endParaRPr lang="zh-TW" altLang="en-US"/>
           </a:p>
@@ -2532,7 +2532,7 @@
           <a:p>
             <a:fld id="{FF25ECE2-089A-4B5C-894D-2FDF9AF4E829}" type="datetimeFigureOut">
               <a:rPr lang="zh-TW" altLang="en-US" smtClean="0"/>
-              <a:t>2025/2/3</a:t>
+              <a:t>2025/2/5</a:t>
             </a:fld>
             <a:endParaRPr lang="zh-TW" altLang="en-US"/>
           </a:p>
@@ -2789,7 +2789,7 @@
           <a:p>
             <a:fld id="{FF25ECE2-089A-4B5C-894D-2FDF9AF4E829}" type="datetimeFigureOut">
               <a:rPr lang="zh-TW" altLang="en-US" smtClean="0"/>
-              <a:t>2025/2/3</a:t>
+              <a:t>2025/2/5</a:t>
             </a:fld>
             <a:endParaRPr lang="zh-TW" altLang="en-US"/>
           </a:p>
@@ -3002,7 +3002,7 @@
           <a:p>
             <a:fld id="{FF25ECE2-089A-4B5C-894D-2FDF9AF4E829}" type="datetimeFigureOut">
               <a:rPr lang="zh-TW" altLang="en-US" smtClean="0"/>
-              <a:t>2025/2/3</a:t>
+              <a:t>2025/2/5</a:t>
             </a:fld>
             <a:endParaRPr lang="zh-TW" altLang="en-US"/>
           </a:p>
@@ -3409,10 +3409,10 @@
       </p:grpSpPr>
       <p:pic>
         <p:nvPicPr>
-          <p:cNvPr id="25" name="圖片 24">
+          <p:cNvPr id="3" name="圖片 2">
             <a:extLst>
               <a:ext uri="{FF2B5EF4-FFF2-40B4-BE49-F238E27FC236}">
-                <a16:creationId xmlns:a16="http://schemas.microsoft.com/office/drawing/2014/main" id="{BD560A2F-AF2B-44D2-A3C0-0BB66F2A949E}"/>
+                <a16:creationId xmlns:a16="http://schemas.microsoft.com/office/drawing/2014/main" id="{A15AB4A5-E8B0-494F-AAFC-6F8BFC6F7D02}"/>
               </a:ext>
             </a:extLst>
           </p:cNvPr>
@@ -3435,7 +3435,7 @@
         </p:blipFill>
         <p:spPr>
           <a:xfrm>
-            <a:off x="738000" y="0"/>
+            <a:off x="3798000" y="0"/>
             <a:ext cx="3060000" cy="3400000"/>
           </a:xfrm>
           <a:prstGeom prst="rect">
@@ -3445,10 +3445,10 @@
       </p:pic>
       <p:pic>
         <p:nvPicPr>
-          <p:cNvPr id="3" name="圖片 2">
+          <p:cNvPr id="25" name="圖片 24">
             <a:extLst>
               <a:ext uri="{FF2B5EF4-FFF2-40B4-BE49-F238E27FC236}">
-                <a16:creationId xmlns:a16="http://schemas.microsoft.com/office/drawing/2014/main" id="{A15AB4A5-E8B0-494F-AAFC-6F8BFC6F7D02}"/>
+                <a16:creationId xmlns:a16="http://schemas.microsoft.com/office/drawing/2014/main" id="{BD560A2F-AF2B-44D2-A3C0-0BB66F2A949E}"/>
               </a:ext>
             </a:extLst>
           </p:cNvPr>
@@ -3471,7 +3471,7 @@
         </p:blipFill>
         <p:spPr>
           <a:xfrm>
-            <a:off x="3798000" y="0"/>
+            <a:off x="738000" y="0"/>
             <a:ext cx="3060000" cy="3400000"/>
           </a:xfrm>
           <a:prstGeom prst="rect">
@@ -3481,10 +3481,10 @@
       </p:pic>
       <p:pic>
         <p:nvPicPr>
-          <p:cNvPr id="4" name="圖片 3">
+          <p:cNvPr id="5" name="圖片 4">
             <a:extLst>
               <a:ext uri="{FF2B5EF4-FFF2-40B4-BE49-F238E27FC236}">
-                <a16:creationId xmlns:a16="http://schemas.microsoft.com/office/drawing/2014/main" id="{7F6707E7-1E62-4D4F-8A83-ADB205D656A4}"/>
+                <a16:creationId xmlns:a16="http://schemas.microsoft.com/office/drawing/2014/main" id="{81B5D8D6-3D0E-4FCD-846A-FFA2BC22F4AD}"/>
               </a:ext>
             </a:extLst>
           </p:cNvPr>
@@ -3507,386 +3507,20 @@
         </p:blipFill>
         <p:spPr>
           <a:xfrm>
-            <a:off x="623714" y="3157886"/>
-            <a:ext cx="6012000" cy="1803600"/>
+            <a:off x="695714" y="3157886"/>
+            <a:ext cx="5940000" cy="1782000"/>
           </a:xfrm>
           <a:prstGeom prst="rect">
             <a:avLst/>
           </a:prstGeom>
         </p:spPr>
       </p:pic>
-      <p:sp>
-        <p:nvSpPr>
-          <p:cNvPr id="43" name="文字方塊 42">
+      <p:pic>
+        <p:nvPicPr>
+          <p:cNvPr id="10" name="圖片 9">
             <a:extLst>
               <a:ext uri="{FF2B5EF4-FFF2-40B4-BE49-F238E27FC236}">
-                <a16:creationId xmlns:a16="http://schemas.microsoft.com/office/drawing/2014/main" id="{90B31BA6-02E2-45B2-B007-FB2D99927426}"/>
-              </a:ext>
-            </a:extLst>
-          </p:cNvPr>
-          <p:cNvSpPr txBox="1"/>
-          <p:nvPr/>
-        </p:nvSpPr>
-        <p:spPr>
-          <a:xfrm>
-            <a:off x="5231533" y="719289"/>
-            <a:ext cx="780983" cy="276999"/>
-          </a:xfrm>
-          <a:prstGeom prst="rect">
-            <a:avLst/>
-          </a:prstGeom>
-          <a:noFill/>
-        </p:spPr>
-        <p:txBody>
-          <a:bodyPr wrap="none" rtlCol="0">
-            <a:spAutoFit/>
-          </a:bodyPr>
-          <a:lstStyle/>
-          <a:p>
-            <a:r>
-              <a:rPr lang="en-US" altLang="zh-TW" sz="1200" dirty="0">
-                <a:latin typeface="Arial" panose="020B0604020202020204" pitchFamily="34" charset="0"/>
-                <a:cs typeface="Arial" panose="020B0604020202020204" pitchFamily="34" charset="0"/>
-              </a:rPr>
-              <a:t>Northern</a:t>
-            </a:r>
-            <a:endParaRPr lang="zh-TW" altLang="en-US" sz="1200" dirty="0">
-              <a:latin typeface="Arial" panose="020B0604020202020204" pitchFamily="34" charset="0"/>
-              <a:cs typeface="Arial" panose="020B0604020202020204" pitchFamily="34" charset="0"/>
-            </a:endParaRPr>
-          </a:p>
-        </p:txBody>
-      </p:sp>
-      <p:sp>
-        <p:nvSpPr>
-          <p:cNvPr id="44" name="文字方塊 43">
-            <a:extLst>
-              <a:ext uri="{FF2B5EF4-FFF2-40B4-BE49-F238E27FC236}">
-                <a16:creationId xmlns:a16="http://schemas.microsoft.com/office/drawing/2014/main" id="{65ADB129-6E89-4FDF-8B49-2E98A39E982D}"/>
-              </a:ext>
-            </a:extLst>
-          </p:cNvPr>
-          <p:cNvSpPr txBox="1"/>
-          <p:nvPr/>
-        </p:nvSpPr>
-        <p:spPr>
-          <a:xfrm>
-            <a:off x="4234254" y="1369275"/>
-            <a:ext cx="1223412" cy="276999"/>
-          </a:xfrm>
-          <a:prstGeom prst="rect">
-            <a:avLst/>
-          </a:prstGeom>
-          <a:noFill/>
-        </p:spPr>
-        <p:txBody>
-          <a:bodyPr wrap="none" rtlCol="0">
-            <a:spAutoFit/>
-          </a:bodyPr>
-          <a:lstStyle/>
-          <a:p>
-            <a:r>
-              <a:rPr lang="en-US" altLang="zh-TW" sz="1200" dirty="0">
-                <a:latin typeface="Arial" panose="020B0604020202020204" pitchFamily="34" charset="0"/>
-                <a:cs typeface="Arial" panose="020B0604020202020204" pitchFamily="34" charset="0"/>
-              </a:rPr>
-              <a:t>Middle-western</a:t>
-            </a:r>
-            <a:endParaRPr lang="zh-TW" altLang="en-US" sz="1200" dirty="0">
-              <a:latin typeface="Arial" panose="020B0604020202020204" pitchFamily="34" charset="0"/>
-              <a:cs typeface="Arial" panose="020B0604020202020204" pitchFamily="34" charset="0"/>
-            </a:endParaRPr>
-          </a:p>
-        </p:txBody>
-      </p:sp>
-      <p:sp>
-        <p:nvSpPr>
-          <p:cNvPr id="45" name="文字方塊 44">
-            <a:extLst>
-              <a:ext uri="{FF2B5EF4-FFF2-40B4-BE49-F238E27FC236}">
-                <a16:creationId xmlns:a16="http://schemas.microsoft.com/office/drawing/2014/main" id="{81877930-751D-42A1-938A-85F5B8024CCF}"/>
-              </a:ext>
-            </a:extLst>
-          </p:cNvPr>
-          <p:cNvSpPr txBox="1"/>
-          <p:nvPr/>
-        </p:nvSpPr>
-        <p:spPr>
-          <a:xfrm>
-            <a:off x="4521369" y="2156305"/>
-            <a:ext cx="806631" cy="276999"/>
-          </a:xfrm>
-          <a:prstGeom prst="rect">
-            <a:avLst/>
-          </a:prstGeom>
-          <a:noFill/>
-        </p:spPr>
-        <p:txBody>
-          <a:bodyPr wrap="none" rtlCol="0">
-            <a:spAutoFit/>
-          </a:bodyPr>
-          <a:lstStyle/>
-          <a:p>
-            <a:r>
-              <a:rPr lang="en-US" altLang="zh-TW" sz="1200" dirty="0">
-                <a:latin typeface="Arial" panose="020B0604020202020204" pitchFamily="34" charset="0"/>
-                <a:cs typeface="Arial" panose="020B0604020202020204" pitchFamily="34" charset="0"/>
-              </a:rPr>
-              <a:t>Southern</a:t>
-            </a:r>
-            <a:endParaRPr lang="zh-TW" altLang="en-US" sz="1200" dirty="0">
-              <a:latin typeface="Arial" panose="020B0604020202020204" pitchFamily="34" charset="0"/>
-              <a:cs typeface="Arial" panose="020B0604020202020204" pitchFamily="34" charset="0"/>
-            </a:endParaRPr>
-          </a:p>
-        </p:txBody>
-      </p:sp>
-      <p:sp>
-        <p:nvSpPr>
-          <p:cNvPr id="46" name="橢圓 45">
-            <a:extLst>
-              <a:ext uri="{FF2B5EF4-FFF2-40B4-BE49-F238E27FC236}">
-                <a16:creationId xmlns:a16="http://schemas.microsoft.com/office/drawing/2014/main" id="{400F28BA-EF69-498A-A0FB-46C1D7619D40}"/>
-              </a:ext>
-            </a:extLst>
-          </p:cNvPr>
-          <p:cNvSpPr/>
-          <p:nvPr/>
-        </p:nvSpPr>
-        <p:spPr>
-          <a:xfrm>
-            <a:off x="5850466" y="874722"/>
-            <a:ext cx="414867" cy="395279"/>
-          </a:xfrm>
-          <a:prstGeom prst="ellipse">
-            <a:avLst/>
-          </a:prstGeom>
-          <a:noFill/>
-          <a:ln>
-            <a:solidFill>
-              <a:srgbClr val="FF0000"/>
-            </a:solidFill>
-          </a:ln>
-        </p:spPr>
-        <p:style>
-          <a:lnRef idx="2">
-            <a:schemeClr val="accent1">
-              <a:shade val="50000"/>
-            </a:schemeClr>
-          </a:lnRef>
-          <a:fillRef idx="1">
-            <a:schemeClr val="accent1"/>
-          </a:fillRef>
-          <a:effectRef idx="0">
-            <a:schemeClr val="accent1"/>
-          </a:effectRef>
-          <a:fontRef idx="minor">
-            <a:schemeClr val="lt1"/>
-          </a:fontRef>
-        </p:style>
-        <p:txBody>
-          <a:bodyPr rtlCol="0" anchor="ctr"/>
-          <a:lstStyle/>
-          <a:p>
-            <a:pPr algn="ctr"/>
-            <a:endParaRPr lang="zh-TW" altLang="en-US"/>
-          </a:p>
-        </p:txBody>
-      </p:sp>
-      <p:sp>
-        <p:nvSpPr>
-          <p:cNvPr id="47" name="橢圓 46">
-            <a:extLst>
-              <a:ext uri="{FF2B5EF4-FFF2-40B4-BE49-F238E27FC236}">
-                <a16:creationId xmlns:a16="http://schemas.microsoft.com/office/drawing/2014/main" id="{929CF8F5-D92F-4A03-9B8D-9E2236B30E59}"/>
-              </a:ext>
-            </a:extLst>
-          </p:cNvPr>
-          <p:cNvSpPr/>
-          <p:nvPr/>
-        </p:nvSpPr>
-        <p:spPr>
-          <a:xfrm>
-            <a:off x="5380563" y="1303364"/>
-            <a:ext cx="414867" cy="395279"/>
-          </a:xfrm>
-          <a:prstGeom prst="ellipse">
-            <a:avLst/>
-          </a:prstGeom>
-          <a:noFill/>
-          <a:ln>
-            <a:solidFill>
-              <a:srgbClr val="FF0000"/>
-            </a:solidFill>
-          </a:ln>
-        </p:spPr>
-        <p:style>
-          <a:lnRef idx="2">
-            <a:schemeClr val="accent1">
-              <a:shade val="50000"/>
-            </a:schemeClr>
-          </a:lnRef>
-          <a:fillRef idx="1">
-            <a:schemeClr val="accent1"/>
-          </a:fillRef>
-          <a:effectRef idx="0">
-            <a:schemeClr val="accent1"/>
-          </a:effectRef>
-          <a:fontRef idx="minor">
-            <a:schemeClr val="lt1"/>
-          </a:fontRef>
-        </p:style>
-        <p:txBody>
-          <a:bodyPr rtlCol="0" anchor="ctr"/>
-          <a:lstStyle/>
-          <a:p>
-            <a:pPr algn="ctr"/>
-            <a:endParaRPr lang="zh-TW" altLang="en-US"/>
-          </a:p>
-        </p:txBody>
-      </p:sp>
-      <p:sp>
-        <p:nvSpPr>
-          <p:cNvPr id="48" name="橢圓 47">
-            <a:extLst>
-              <a:ext uri="{FF2B5EF4-FFF2-40B4-BE49-F238E27FC236}">
-                <a16:creationId xmlns:a16="http://schemas.microsoft.com/office/drawing/2014/main" id="{77A0AF6E-01EE-4922-A3B8-44BA31E95E02}"/>
-              </a:ext>
-            </a:extLst>
-          </p:cNvPr>
-          <p:cNvSpPr/>
-          <p:nvPr/>
-        </p:nvSpPr>
-        <p:spPr>
-          <a:xfrm>
-            <a:off x="5275633" y="2097191"/>
-            <a:ext cx="414867" cy="395279"/>
-          </a:xfrm>
-          <a:prstGeom prst="ellipse">
-            <a:avLst/>
-          </a:prstGeom>
-          <a:noFill/>
-          <a:ln>
-            <a:solidFill>
-              <a:srgbClr val="FF0000"/>
-            </a:solidFill>
-          </a:ln>
-        </p:spPr>
-        <p:style>
-          <a:lnRef idx="2">
-            <a:schemeClr val="accent1">
-              <a:shade val="50000"/>
-            </a:schemeClr>
-          </a:lnRef>
-          <a:fillRef idx="1">
-            <a:schemeClr val="accent1"/>
-          </a:fillRef>
-          <a:effectRef idx="0">
-            <a:schemeClr val="accent1"/>
-          </a:effectRef>
-          <a:fontRef idx="minor">
-            <a:schemeClr val="lt1"/>
-          </a:fontRef>
-        </p:style>
-        <p:txBody>
-          <a:bodyPr rtlCol="0" anchor="ctr"/>
-          <a:lstStyle/>
-          <a:p>
-            <a:pPr algn="ctr"/>
-            <a:endParaRPr lang="zh-TW" altLang="en-US"/>
-          </a:p>
-        </p:txBody>
-      </p:sp>
-      <p:sp>
-        <p:nvSpPr>
-          <p:cNvPr id="55" name="文字方塊 54">
-            <a:extLst>
-              <a:ext uri="{FF2B5EF4-FFF2-40B4-BE49-F238E27FC236}">
-                <a16:creationId xmlns:a16="http://schemas.microsoft.com/office/drawing/2014/main" id="{B3D6FB03-636A-45F8-A8B5-97832997F696}"/>
-              </a:ext>
-            </a:extLst>
-          </p:cNvPr>
-          <p:cNvSpPr txBox="1"/>
-          <p:nvPr/>
-        </p:nvSpPr>
-        <p:spPr>
-          <a:xfrm>
-            <a:off x="515780" y="101600"/>
-            <a:ext cx="338554" cy="369332"/>
-          </a:xfrm>
-          <a:prstGeom prst="rect">
-            <a:avLst/>
-          </a:prstGeom>
-          <a:noFill/>
-        </p:spPr>
-        <p:txBody>
-          <a:bodyPr wrap="none" rtlCol="0">
-            <a:spAutoFit/>
-          </a:bodyPr>
-          <a:lstStyle/>
-          <a:p>
-            <a:r>
-              <a:rPr lang="en-US" altLang="zh-TW" dirty="0">
-                <a:latin typeface="Arial" panose="020B0604020202020204" pitchFamily="34" charset="0"/>
-                <a:cs typeface="Arial" panose="020B0604020202020204" pitchFamily="34" charset="0"/>
-              </a:rPr>
-              <a:t>A</a:t>
-            </a:r>
-            <a:endParaRPr lang="zh-TW" altLang="en-US" dirty="0">
-              <a:latin typeface="Arial" panose="020B0604020202020204" pitchFamily="34" charset="0"/>
-              <a:cs typeface="Arial" panose="020B0604020202020204" pitchFamily="34" charset="0"/>
-            </a:endParaRPr>
-          </a:p>
-        </p:txBody>
-      </p:sp>
-      <p:sp>
-        <p:nvSpPr>
-          <p:cNvPr id="56" name="文字方塊 55">
-            <a:extLst>
-              <a:ext uri="{FF2B5EF4-FFF2-40B4-BE49-F238E27FC236}">
-                <a16:creationId xmlns:a16="http://schemas.microsoft.com/office/drawing/2014/main" id="{A318494C-C74E-4855-9595-CD69D86B31F3}"/>
-              </a:ext>
-            </a:extLst>
-          </p:cNvPr>
-          <p:cNvSpPr txBox="1"/>
-          <p:nvPr/>
-        </p:nvSpPr>
-        <p:spPr>
-          <a:xfrm>
-            <a:off x="3620200" y="101600"/>
-            <a:ext cx="338554" cy="369332"/>
-          </a:xfrm>
-          <a:prstGeom prst="rect">
-            <a:avLst/>
-          </a:prstGeom>
-          <a:noFill/>
-        </p:spPr>
-        <p:txBody>
-          <a:bodyPr wrap="none" rtlCol="0">
-            <a:spAutoFit/>
-          </a:bodyPr>
-          <a:lstStyle/>
-          <a:p>
-            <a:r>
-              <a:rPr lang="en-US" altLang="zh-TW" dirty="0">
-                <a:latin typeface="Arial" panose="020B0604020202020204" pitchFamily="34" charset="0"/>
-                <a:cs typeface="Arial" panose="020B0604020202020204" pitchFamily="34" charset="0"/>
-              </a:rPr>
-              <a:t>B</a:t>
-            </a:r>
-            <a:endParaRPr lang="zh-TW" altLang="en-US" dirty="0">
-              <a:latin typeface="Arial" panose="020B0604020202020204" pitchFamily="34" charset="0"/>
-              <a:cs typeface="Arial" panose="020B0604020202020204" pitchFamily="34" charset="0"/>
-            </a:endParaRPr>
-          </a:p>
-        </p:txBody>
-      </p:sp>
-      <p:pic>
-        <p:nvPicPr>
-          <p:cNvPr id="6" name="圖片 5">
-            <a:extLst>
-              <a:ext uri="{FF2B5EF4-FFF2-40B4-BE49-F238E27FC236}">
-                <a16:creationId xmlns:a16="http://schemas.microsoft.com/office/drawing/2014/main" id="{45A449C7-E28B-45CE-B196-BBB6162A02C6}"/>
+                <a16:creationId xmlns:a16="http://schemas.microsoft.com/office/drawing/2014/main" id="{F48D2098-D278-4D1A-9219-8BD7E07C85DE}"/>
               </a:ext>
             </a:extLst>
           </p:cNvPr>
@@ -3909,8 +3543,8 @@
         </p:blipFill>
         <p:spPr>
           <a:xfrm>
-            <a:off x="623714" y="4691912"/>
-            <a:ext cx="6012000" cy="1803600"/>
+            <a:off x="695714" y="4668627"/>
+            <a:ext cx="5940000" cy="1782000"/>
           </a:xfrm>
           <a:prstGeom prst="rect">
             <a:avLst/>
@@ -3919,10 +3553,10 @@
       </p:pic>
       <p:pic>
         <p:nvPicPr>
-          <p:cNvPr id="8" name="圖片 7">
+          <p:cNvPr id="12" name="圖片 11">
             <a:extLst>
               <a:ext uri="{FF2B5EF4-FFF2-40B4-BE49-F238E27FC236}">
-                <a16:creationId xmlns:a16="http://schemas.microsoft.com/office/drawing/2014/main" id="{BF59FEE7-4B82-4F5E-B369-C60F6493DD7E}"/>
+                <a16:creationId xmlns:a16="http://schemas.microsoft.com/office/drawing/2014/main" id="{97D977C5-23DA-458B-8B08-61D3CBFB1ADB}"/>
               </a:ext>
             </a:extLst>
           </p:cNvPr>
@@ -3945,14 +3579,380 @@
         </p:blipFill>
         <p:spPr>
           <a:xfrm>
-            <a:off x="623714" y="6227770"/>
-            <a:ext cx="6012000" cy="1803600"/>
+            <a:off x="695714" y="6181335"/>
+            <a:ext cx="5940000" cy="1782000"/>
           </a:xfrm>
           <a:prstGeom prst="rect">
             <a:avLst/>
           </a:prstGeom>
         </p:spPr>
       </p:pic>
+      <p:sp>
+        <p:nvSpPr>
+          <p:cNvPr id="43" name="文字方塊 42">
+            <a:extLst>
+              <a:ext uri="{FF2B5EF4-FFF2-40B4-BE49-F238E27FC236}">
+                <a16:creationId xmlns:a16="http://schemas.microsoft.com/office/drawing/2014/main" id="{90B31BA6-02E2-45B2-B007-FB2D99927426}"/>
+              </a:ext>
+            </a:extLst>
+          </p:cNvPr>
+          <p:cNvSpPr txBox="1"/>
+          <p:nvPr/>
+        </p:nvSpPr>
+        <p:spPr>
+          <a:xfrm>
+            <a:off x="5231533" y="719289"/>
+            <a:ext cx="780983" cy="276999"/>
+          </a:xfrm>
+          <a:prstGeom prst="rect">
+            <a:avLst/>
+          </a:prstGeom>
+          <a:noFill/>
+        </p:spPr>
+        <p:txBody>
+          <a:bodyPr wrap="none" rtlCol="0">
+            <a:spAutoFit/>
+          </a:bodyPr>
+          <a:lstStyle/>
+          <a:p>
+            <a:r>
+              <a:rPr lang="en-US" altLang="zh-TW" sz="1200" dirty="0">
+                <a:latin typeface="Arial" panose="020B0604020202020204" pitchFamily="34" charset="0"/>
+                <a:cs typeface="Arial" panose="020B0604020202020204" pitchFamily="34" charset="0"/>
+              </a:rPr>
+              <a:t>Northern</a:t>
+            </a:r>
+            <a:endParaRPr lang="zh-TW" altLang="en-US" sz="1200" dirty="0">
+              <a:latin typeface="Arial" panose="020B0604020202020204" pitchFamily="34" charset="0"/>
+              <a:cs typeface="Arial" panose="020B0604020202020204" pitchFamily="34" charset="0"/>
+            </a:endParaRPr>
+          </a:p>
+        </p:txBody>
+      </p:sp>
+      <p:sp>
+        <p:nvSpPr>
+          <p:cNvPr id="44" name="文字方塊 43">
+            <a:extLst>
+              <a:ext uri="{FF2B5EF4-FFF2-40B4-BE49-F238E27FC236}">
+                <a16:creationId xmlns:a16="http://schemas.microsoft.com/office/drawing/2014/main" id="{65ADB129-6E89-4FDF-8B49-2E98A39E982D}"/>
+              </a:ext>
+            </a:extLst>
+          </p:cNvPr>
+          <p:cNvSpPr txBox="1"/>
+          <p:nvPr/>
+        </p:nvSpPr>
+        <p:spPr>
+          <a:xfrm>
+            <a:off x="4234254" y="1369275"/>
+            <a:ext cx="1223412" cy="276999"/>
+          </a:xfrm>
+          <a:prstGeom prst="rect">
+            <a:avLst/>
+          </a:prstGeom>
+          <a:noFill/>
+        </p:spPr>
+        <p:txBody>
+          <a:bodyPr wrap="none" rtlCol="0">
+            <a:spAutoFit/>
+          </a:bodyPr>
+          <a:lstStyle/>
+          <a:p>
+            <a:r>
+              <a:rPr lang="en-US" altLang="zh-TW" sz="1200" dirty="0">
+                <a:latin typeface="Arial" panose="020B0604020202020204" pitchFamily="34" charset="0"/>
+                <a:cs typeface="Arial" panose="020B0604020202020204" pitchFamily="34" charset="0"/>
+              </a:rPr>
+              <a:t>Middle-western</a:t>
+            </a:r>
+            <a:endParaRPr lang="zh-TW" altLang="en-US" sz="1200" dirty="0">
+              <a:latin typeface="Arial" panose="020B0604020202020204" pitchFamily="34" charset="0"/>
+              <a:cs typeface="Arial" panose="020B0604020202020204" pitchFamily="34" charset="0"/>
+            </a:endParaRPr>
+          </a:p>
+        </p:txBody>
+      </p:sp>
+      <p:sp>
+        <p:nvSpPr>
+          <p:cNvPr id="45" name="文字方塊 44">
+            <a:extLst>
+              <a:ext uri="{FF2B5EF4-FFF2-40B4-BE49-F238E27FC236}">
+                <a16:creationId xmlns:a16="http://schemas.microsoft.com/office/drawing/2014/main" id="{81877930-751D-42A1-938A-85F5B8024CCF}"/>
+              </a:ext>
+            </a:extLst>
+          </p:cNvPr>
+          <p:cNvSpPr txBox="1"/>
+          <p:nvPr/>
+        </p:nvSpPr>
+        <p:spPr>
+          <a:xfrm>
+            <a:off x="4521369" y="2156305"/>
+            <a:ext cx="806631" cy="276999"/>
+          </a:xfrm>
+          <a:prstGeom prst="rect">
+            <a:avLst/>
+          </a:prstGeom>
+          <a:noFill/>
+        </p:spPr>
+        <p:txBody>
+          <a:bodyPr wrap="none" rtlCol="0">
+            <a:spAutoFit/>
+          </a:bodyPr>
+          <a:lstStyle/>
+          <a:p>
+            <a:r>
+              <a:rPr lang="en-US" altLang="zh-TW" sz="1200" dirty="0">
+                <a:latin typeface="Arial" panose="020B0604020202020204" pitchFamily="34" charset="0"/>
+                <a:cs typeface="Arial" panose="020B0604020202020204" pitchFamily="34" charset="0"/>
+              </a:rPr>
+              <a:t>Southern</a:t>
+            </a:r>
+            <a:endParaRPr lang="zh-TW" altLang="en-US" sz="1200" dirty="0">
+              <a:latin typeface="Arial" panose="020B0604020202020204" pitchFamily="34" charset="0"/>
+              <a:cs typeface="Arial" panose="020B0604020202020204" pitchFamily="34" charset="0"/>
+            </a:endParaRPr>
+          </a:p>
+        </p:txBody>
+      </p:sp>
+      <p:sp>
+        <p:nvSpPr>
+          <p:cNvPr id="46" name="橢圓 45">
+            <a:extLst>
+              <a:ext uri="{FF2B5EF4-FFF2-40B4-BE49-F238E27FC236}">
+                <a16:creationId xmlns:a16="http://schemas.microsoft.com/office/drawing/2014/main" id="{400F28BA-EF69-498A-A0FB-46C1D7619D40}"/>
+              </a:ext>
+            </a:extLst>
+          </p:cNvPr>
+          <p:cNvSpPr/>
+          <p:nvPr/>
+        </p:nvSpPr>
+        <p:spPr>
+          <a:xfrm>
+            <a:off x="5850466" y="874722"/>
+            <a:ext cx="414867" cy="395279"/>
+          </a:xfrm>
+          <a:prstGeom prst="ellipse">
+            <a:avLst/>
+          </a:prstGeom>
+          <a:noFill/>
+          <a:ln>
+            <a:solidFill>
+              <a:srgbClr val="FF0000"/>
+            </a:solidFill>
+          </a:ln>
+        </p:spPr>
+        <p:style>
+          <a:lnRef idx="2">
+            <a:schemeClr val="accent1">
+              <a:shade val="50000"/>
+            </a:schemeClr>
+          </a:lnRef>
+          <a:fillRef idx="1">
+            <a:schemeClr val="accent1"/>
+          </a:fillRef>
+          <a:effectRef idx="0">
+            <a:schemeClr val="accent1"/>
+          </a:effectRef>
+          <a:fontRef idx="minor">
+            <a:schemeClr val="lt1"/>
+          </a:fontRef>
+        </p:style>
+        <p:txBody>
+          <a:bodyPr rtlCol="0" anchor="ctr"/>
+          <a:lstStyle/>
+          <a:p>
+            <a:pPr algn="ctr"/>
+            <a:endParaRPr lang="zh-TW" altLang="en-US"/>
+          </a:p>
+        </p:txBody>
+      </p:sp>
+      <p:sp>
+        <p:nvSpPr>
+          <p:cNvPr id="47" name="橢圓 46">
+            <a:extLst>
+              <a:ext uri="{FF2B5EF4-FFF2-40B4-BE49-F238E27FC236}">
+                <a16:creationId xmlns:a16="http://schemas.microsoft.com/office/drawing/2014/main" id="{929CF8F5-D92F-4A03-9B8D-9E2236B30E59}"/>
+              </a:ext>
+            </a:extLst>
+          </p:cNvPr>
+          <p:cNvSpPr/>
+          <p:nvPr/>
+        </p:nvSpPr>
+        <p:spPr>
+          <a:xfrm>
+            <a:off x="5380563" y="1303364"/>
+            <a:ext cx="414867" cy="395279"/>
+          </a:xfrm>
+          <a:prstGeom prst="ellipse">
+            <a:avLst/>
+          </a:prstGeom>
+          <a:noFill/>
+          <a:ln>
+            <a:solidFill>
+              <a:srgbClr val="FF0000"/>
+            </a:solidFill>
+          </a:ln>
+        </p:spPr>
+        <p:style>
+          <a:lnRef idx="2">
+            <a:schemeClr val="accent1">
+              <a:shade val="50000"/>
+            </a:schemeClr>
+          </a:lnRef>
+          <a:fillRef idx="1">
+            <a:schemeClr val="accent1"/>
+          </a:fillRef>
+          <a:effectRef idx="0">
+            <a:schemeClr val="accent1"/>
+          </a:effectRef>
+          <a:fontRef idx="minor">
+            <a:schemeClr val="lt1"/>
+          </a:fontRef>
+        </p:style>
+        <p:txBody>
+          <a:bodyPr rtlCol="0" anchor="ctr"/>
+          <a:lstStyle/>
+          <a:p>
+            <a:pPr algn="ctr"/>
+            <a:endParaRPr lang="zh-TW" altLang="en-US"/>
+          </a:p>
+        </p:txBody>
+      </p:sp>
+      <p:sp>
+        <p:nvSpPr>
+          <p:cNvPr id="48" name="橢圓 47">
+            <a:extLst>
+              <a:ext uri="{FF2B5EF4-FFF2-40B4-BE49-F238E27FC236}">
+                <a16:creationId xmlns:a16="http://schemas.microsoft.com/office/drawing/2014/main" id="{77A0AF6E-01EE-4922-A3B8-44BA31E95E02}"/>
+              </a:ext>
+            </a:extLst>
+          </p:cNvPr>
+          <p:cNvSpPr/>
+          <p:nvPr/>
+        </p:nvSpPr>
+        <p:spPr>
+          <a:xfrm>
+            <a:off x="5275633" y="2097191"/>
+            <a:ext cx="414867" cy="395279"/>
+          </a:xfrm>
+          <a:prstGeom prst="ellipse">
+            <a:avLst/>
+          </a:prstGeom>
+          <a:noFill/>
+          <a:ln>
+            <a:solidFill>
+              <a:srgbClr val="FF0000"/>
+            </a:solidFill>
+          </a:ln>
+        </p:spPr>
+        <p:style>
+          <a:lnRef idx="2">
+            <a:schemeClr val="accent1">
+              <a:shade val="50000"/>
+            </a:schemeClr>
+          </a:lnRef>
+          <a:fillRef idx="1">
+            <a:schemeClr val="accent1"/>
+          </a:fillRef>
+          <a:effectRef idx="0">
+            <a:schemeClr val="accent1"/>
+          </a:effectRef>
+          <a:fontRef idx="minor">
+            <a:schemeClr val="lt1"/>
+          </a:fontRef>
+        </p:style>
+        <p:txBody>
+          <a:bodyPr rtlCol="0" anchor="ctr"/>
+          <a:lstStyle/>
+          <a:p>
+            <a:pPr algn="ctr"/>
+            <a:endParaRPr lang="zh-TW" altLang="en-US"/>
+          </a:p>
+        </p:txBody>
+      </p:sp>
+      <p:sp>
+        <p:nvSpPr>
+          <p:cNvPr id="55" name="文字方塊 54">
+            <a:extLst>
+              <a:ext uri="{FF2B5EF4-FFF2-40B4-BE49-F238E27FC236}">
+                <a16:creationId xmlns:a16="http://schemas.microsoft.com/office/drawing/2014/main" id="{B3D6FB03-636A-45F8-A8B5-97832997F696}"/>
+              </a:ext>
+            </a:extLst>
+          </p:cNvPr>
+          <p:cNvSpPr txBox="1"/>
+          <p:nvPr/>
+        </p:nvSpPr>
+        <p:spPr>
+          <a:xfrm>
+            <a:off x="515780" y="101600"/>
+            <a:ext cx="338554" cy="369332"/>
+          </a:xfrm>
+          <a:prstGeom prst="rect">
+            <a:avLst/>
+          </a:prstGeom>
+          <a:noFill/>
+        </p:spPr>
+        <p:txBody>
+          <a:bodyPr wrap="none" rtlCol="0">
+            <a:spAutoFit/>
+          </a:bodyPr>
+          <a:lstStyle/>
+          <a:p>
+            <a:r>
+              <a:rPr lang="en-US" altLang="zh-TW" dirty="0">
+                <a:latin typeface="Arial" panose="020B0604020202020204" pitchFamily="34" charset="0"/>
+                <a:cs typeface="Arial" panose="020B0604020202020204" pitchFamily="34" charset="0"/>
+              </a:rPr>
+              <a:t>A</a:t>
+            </a:r>
+            <a:endParaRPr lang="zh-TW" altLang="en-US" dirty="0">
+              <a:latin typeface="Arial" panose="020B0604020202020204" pitchFamily="34" charset="0"/>
+              <a:cs typeface="Arial" panose="020B0604020202020204" pitchFamily="34" charset="0"/>
+            </a:endParaRPr>
+          </a:p>
+        </p:txBody>
+      </p:sp>
+      <p:sp>
+        <p:nvSpPr>
+          <p:cNvPr id="56" name="文字方塊 55">
+            <a:extLst>
+              <a:ext uri="{FF2B5EF4-FFF2-40B4-BE49-F238E27FC236}">
+                <a16:creationId xmlns:a16="http://schemas.microsoft.com/office/drawing/2014/main" id="{A318494C-C74E-4855-9595-CD69D86B31F3}"/>
+              </a:ext>
+            </a:extLst>
+          </p:cNvPr>
+          <p:cNvSpPr txBox="1"/>
+          <p:nvPr/>
+        </p:nvSpPr>
+        <p:spPr>
+          <a:xfrm>
+            <a:off x="3620200" y="101600"/>
+            <a:ext cx="338554" cy="369332"/>
+          </a:xfrm>
+          <a:prstGeom prst="rect">
+            <a:avLst/>
+          </a:prstGeom>
+          <a:noFill/>
+        </p:spPr>
+        <p:txBody>
+          <a:bodyPr wrap="none" rtlCol="0">
+            <a:spAutoFit/>
+          </a:bodyPr>
+          <a:lstStyle/>
+          <a:p>
+            <a:r>
+              <a:rPr lang="en-US" altLang="zh-TW" dirty="0">
+                <a:latin typeface="Arial" panose="020B0604020202020204" pitchFamily="34" charset="0"/>
+                <a:cs typeface="Arial" panose="020B0604020202020204" pitchFamily="34" charset="0"/>
+              </a:rPr>
+              <a:t>B</a:t>
+            </a:r>
+            <a:endParaRPr lang="zh-TW" altLang="en-US" dirty="0">
+              <a:latin typeface="Arial" panose="020B0604020202020204" pitchFamily="34" charset="0"/>
+              <a:cs typeface="Arial" panose="020B0604020202020204" pitchFamily="34" charset="0"/>
+            </a:endParaRPr>
+          </a:p>
+        </p:txBody>
+      </p:sp>
       <p:sp>
         <p:nvSpPr>
           <p:cNvPr id="40" name="文字方塊 39">
@@ -3967,7 +3967,7 @@
         </p:nvSpPr>
         <p:spPr>
           <a:xfrm>
-            <a:off x="1095227" y="3304240"/>
+            <a:off x="1095227" y="3315815"/>
             <a:ext cx="780983" cy="276999"/>
           </a:xfrm>
           <a:prstGeom prst="rect">
@@ -4005,7 +4005,7 @@
         </p:nvSpPr>
         <p:spPr>
           <a:xfrm>
-            <a:off x="1095227" y="4837519"/>
+            <a:off x="1095227" y="4814369"/>
             <a:ext cx="1266693" cy="276999"/>
           </a:xfrm>
           <a:prstGeom prst="rect">
@@ -4043,7 +4043,7 @@
         </p:nvSpPr>
         <p:spPr>
           <a:xfrm>
-            <a:off x="1095227" y="6376975"/>
+            <a:off x="1095227" y="6330675"/>
             <a:ext cx="806631" cy="276999"/>
           </a:xfrm>
           <a:prstGeom prst="rect">
@@ -4244,7 +4244,7 @@
                 <a:latin typeface="Arial" panose="020B0604020202020204" pitchFamily="34" charset="0"/>
                 <a:cs typeface="Arial" panose="020B0604020202020204" pitchFamily="34" charset="0"/>
               </a:rPr>
-              <a:t>interaction score = 12.2547</a:t>
+              <a:t>interaction score = 26.00</a:t>
             </a:r>
             <a:endParaRPr lang="zh-TW" altLang="en-US" sz="1000" dirty="0">
               <a:solidFill>
@@ -4309,7 +4309,7 @@
                 <a:latin typeface="Arial" panose="020B0604020202020204" pitchFamily="34" charset="0"/>
                 <a:cs typeface="Arial" panose="020B0604020202020204" pitchFamily="34" charset="0"/>
               </a:rPr>
-              <a:t>interaction score = 24.9325</a:t>
+              <a:t>interaction score = 30.19</a:t>
             </a:r>
             <a:endParaRPr lang="zh-TW" altLang="en-US" sz="1000" dirty="0">
               <a:solidFill>
@@ -4374,7 +4374,7 @@
                 <a:latin typeface="Arial" panose="020B0604020202020204" pitchFamily="34" charset="0"/>
                 <a:cs typeface="Arial" panose="020B0604020202020204" pitchFamily="34" charset="0"/>
               </a:rPr>
-              <a:t>interaction score = 33.7606</a:t>
+              <a:t>interaction score = 29.42</a:t>
             </a:r>
             <a:endParaRPr lang="zh-TW" altLang="en-US" sz="1000" dirty="0">
               <a:solidFill>

--- a/output/Fig. 4. Map and area comparison.pptx
+++ b/output/Fig. 4. Map and area comparison.pptx
@@ -197,7 +197,7 @@
           <a:p>
             <a:fld id="{CC931BCF-E5B5-45AF-8A84-E54D2FEAD274}" type="datetimeFigureOut">
               <a:rPr lang="zh-TW" altLang="en-US" smtClean="0"/>
-              <a:t>2025/2/5</a:t>
+              <a:t>2025/2/6</a:t>
             </a:fld>
             <a:endParaRPr lang="zh-TW" altLang="en-US"/>
           </a:p>
@@ -679,7 +679,7 @@
           <a:p>
             <a:fld id="{FF25ECE2-089A-4B5C-894D-2FDF9AF4E829}" type="datetimeFigureOut">
               <a:rPr lang="zh-TW" altLang="en-US" smtClean="0"/>
-              <a:t>2025/2/5</a:t>
+              <a:t>2025/2/6</a:t>
             </a:fld>
             <a:endParaRPr lang="zh-TW" altLang="en-US"/>
           </a:p>
@@ -849,7 +849,7 @@
           <a:p>
             <a:fld id="{FF25ECE2-089A-4B5C-894D-2FDF9AF4E829}" type="datetimeFigureOut">
               <a:rPr lang="zh-TW" altLang="en-US" smtClean="0"/>
-              <a:t>2025/2/5</a:t>
+              <a:t>2025/2/6</a:t>
             </a:fld>
             <a:endParaRPr lang="zh-TW" altLang="en-US"/>
           </a:p>
@@ -1029,7 +1029,7 @@
           <a:p>
             <a:fld id="{FF25ECE2-089A-4B5C-894D-2FDF9AF4E829}" type="datetimeFigureOut">
               <a:rPr lang="zh-TW" altLang="en-US" smtClean="0"/>
-              <a:t>2025/2/5</a:t>
+              <a:t>2025/2/6</a:t>
             </a:fld>
             <a:endParaRPr lang="zh-TW" altLang="en-US"/>
           </a:p>
@@ -1199,7 +1199,7 @@
           <a:p>
             <a:fld id="{FF25ECE2-089A-4B5C-894D-2FDF9AF4E829}" type="datetimeFigureOut">
               <a:rPr lang="zh-TW" altLang="en-US" smtClean="0"/>
-              <a:t>2025/2/5</a:t>
+              <a:t>2025/2/6</a:t>
             </a:fld>
             <a:endParaRPr lang="zh-TW" altLang="en-US"/>
           </a:p>
@@ -1443,7 +1443,7 @@
           <a:p>
             <a:fld id="{FF25ECE2-089A-4B5C-894D-2FDF9AF4E829}" type="datetimeFigureOut">
               <a:rPr lang="zh-TW" altLang="en-US" smtClean="0"/>
-              <a:t>2025/2/5</a:t>
+              <a:t>2025/2/6</a:t>
             </a:fld>
             <a:endParaRPr lang="zh-TW" altLang="en-US"/>
           </a:p>
@@ -1675,7 +1675,7 @@
           <a:p>
             <a:fld id="{FF25ECE2-089A-4B5C-894D-2FDF9AF4E829}" type="datetimeFigureOut">
               <a:rPr lang="zh-TW" altLang="en-US" smtClean="0"/>
-              <a:t>2025/2/5</a:t>
+              <a:t>2025/2/6</a:t>
             </a:fld>
             <a:endParaRPr lang="zh-TW" altLang="en-US"/>
           </a:p>
@@ -2042,7 +2042,7 @@
           <a:p>
             <a:fld id="{FF25ECE2-089A-4B5C-894D-2FDF9AF4E829}" type="datetimeFigureOut">
               <a:rPr lang="zh-TW" altLang="en-US" smtClean="0"/>
-              <a:t>2025/2/5</a:t>
+              <a:t>2025/2/6</a:t>
             </a:fld>
             <a:endParaRPr lang="zh-TW" altLang="en-US"/>
           </a:p>
@@ -2160,7 +2160,7 @@
           <a:p>
             <a:fld id="{FF25ECE2-089A-4B5C-894D-2FDF9AF4E829}" type="datetimeFigureOut">
               <a:rPr lang="zh-TW" altLang="en-US" smtClean="0"/>
-              <a:t>2025/2/5</a:t>
+              <a:t>2025/2/6</a:t>
             </a:fld>
             <a:endParaRPr lang="zh-TW" altLang="en-US"/>
           </a:p>
@@ -2255,7 +2255,7 @@
           <a:p>
             <a:fld id="{FF25ECE2-089A-4B5C-894D-2FDF9AF4E829}" type="datetimeFigureOut">
               <a:rPr lang="zh-TW" altLang="en-US" smtClean="0"/>
-              <a:t>2025/2/5</a:t>
+              <a:t>2025/2/6</a:t>
             </a:fld>
             <a:endParaRPr lang="zh-TW" altLang="en-US"/>
           </a:p>
@@ -2532,7 +2532,7 @@
           <a:p>
             <a:fld id="{FF25ECE2-089A-4B5C-894D-2FDF9AF4E829}" type="datetimeFigureOut">
               <a:rPr lang="zh-TW" altLang="en-US" smtClean="0"/>
-              <a:t>2025/2/5</a:t>
+              <a:t>2025/2/6</a:t>
             </a:fld>
             <a:endParaRPr lang="zh-TW" altLang="en-US"/>
           </a:p>
@@ -2789,7 +2789,7 @@
           <a:p>
             <a:fld id="{FF25ECE2-089A-4B5C-894D-2FDF9AF4E829}" type="datetimeFigureOut">
               <a:rPr lang="zh-TW" altLang="en-US" smtClean="0"/>
-              <a:t>2025/2/5</a:t>
+              <a:t>2025/2/6</a:t>
             </a:fld>
             <a:endParaRPr lang="zh-TW" altLang="en-US"/>
           </a:p>
@@ -3002,7 +3002,7 @@
           <a:p>
             <a:fld id="{FF25ECE2-089A-4B5C-894D-2FDF9AF4E829}" type="datetimeFigureOut">
               <a:rPr lang="zh-TW" altLang="en-US" smtClean="0"/>
-              <a:t>2025/2/5</a:t>
+              <a:t>2025/2/6</a:t>
             </a:fld>
             <a:endParaRPr lang="zh-TW" altLang="en-US"/>
           </a:p>
@@ -3481,10 +3481,10 @@
       </p:pic>
       <p:pic>
         <p:nvPicPr>
-          <p:cNvPr id="5" name="圖片 4">
+          <p:cNvPr id="4" name="圖片 3">
             <a:extLst>
               <a:ext uri="{FF2B5EF4-FFF2-40B4-BE49-F238E27FC236}">
-                <a16:creationId xmlns:a16="http://schemas.microsoft.com/office/drawing/2014/main" id="{81B5D8D6-3D0E-4FCD-846A-FFA2BC22F4AD}"/>
+                <a16:creationId xmlns:a16="http://schemas.microsoft.com/office/drawing/2014/main" id="{28ABED82-A724-42CE-A054-30286F2EA94D}"/>
               </a:ext>
             </a:extLst>
           </p:cNvPr>
@@ -3517,10 +3517,10 @@
       </p:pic>
       <p:pic>
         <p:nvPicPr>
-          <p:cNvPr id="10" name="圖片 9">
+          <p:cNvPr id="7" name="圖片 6">
             <a:extLst>
               <a:ext uri="{FF2B5EF4-FFF2-40B4-BE49-F238E27FC236}">
-                <a16:creationId xmlns:a16="http://schemas.microsoft.com/office/drawing/2014/main" id="{F48D2098-D278-4D1A-9219-8BD7E07C85DE}"/>
+                <a16:creationId xmlns:a16="http://schemas.microsoft.com/office/drawing/2014/main" id="{5D072B88-5354-4EFF-9EAD-64AE0E2724B2}"/>
               </a:ext>
             </a:extLst>
           </p:cNvPr>
@@ -3553,10 +3553,10 @@
       </p:pic>
       <p:pic>
         <p:nvPicPr>
-          <p:cNvPr id="12" name="圖片 11">
+          <p:cNvPr id="11" name="圖片 10">
             <a:extLst>
               <a:ext uri="{FF2B5EF4-FFF2-40B4-BE49-F238E27FC236}">
-                <a16:creationId xmlns:a16="http://schemas.microsoft.com/office/drawing/2014/main" id="{97D977C5-23DA-458B-8B08-61D3CBFB1ADB}"/>
+                <a16:creationId xmlns:a16="http://schemas.microsoft.com/office/drawing/2014/main" id="{EC77FC13-3B20-4087-91EE-1F34667066CC}"/>
               </a:ext>
             </a:extLst>
           </p:cNvPr>
@@ -4244,7 +4244,7 @@
                 <a:latin typeface="Arial" panose="020B0604020202020204" pitchFamily="34" charset="0"/>
                 <a:cs typeface="Arial" panose="020B0604020202020204" pitchFamily="34" charset="0"/>
               </a:rPr>
-              <a:t>interaction score = 26.00</a:t>
+              <a:t>interaction score = 5.39</a:t>
             </a:r>
             <a:endParaRPr lang="zh-TW" altLang="en-US" sz="1000" dirty="0">
               <a:solidFill>
@@ -4309,7 +4309,7 @@
                 <a:latin typeface="Arial" panose="020B0604020202020204" pitchFamily="34" charset="0"/>
                 <a:cs typeface="Arial" panose="020B0604020202020204" pitchFamily="34" charset="0"/>
               </a:rPr>
-              <a:t>interaction score = 30.19</a:t>
+              <a:t>interaction score = 9.55</a:t>
             </a:r>
             <a:endParaRPr lang="zh-TW" altLang="en-US" sz="1000" dirty="0">
               <a:solidFill>
@@ -4374,7 +4374,7 @@
                 <a:latin typeface="Arial" panose="020B0604020202020204" pitchFamily="34" charset="0"/>
                 <a:cs typeface="Arial" panose="020B0604020202020204" pitchFamily="34" charset="0"/>
               </a:rPr>
-              <a:t>interaction score = 29.42</a:t>
+              <a:t>interaction score = 14.25</a:t>
             </a:r>
             <a:endParaRPr lang="zh-TW" altLang="en-US" sz="1000" dirty="0">
               <a:solidFill>

--- a/output/Fig. 4. Map and area comparison.pptx
+++ b/output/Fig. 4. Map and area comparison.pptx
@@ -197,7 +197,7 @@
           <a:p>
             <a:fld id="{CC931BCF-E5B5-45AF-8A84-E54D2FEAD274}" type="datetimeFigureOut">
               <a:rPr lang="zh-TW" altLang="en-US" smtClean="0"/>
-              <a:t>2025/2/6</a:t>
+              <a:t>2025/3/1</a:t>
             </a:fld>
             <a:endParaRPr lang="zh-TW" altLang="en-US"/>
           </a:p>
@@ -679,7 +679,7 @@
           <a:p>
             <a:fld id="{FF25ECE2-089A-4B5C-894D-2FDF9AF4E829}" type="datetimeFigureOut">
               <a:rPr lang="zh-TW" altLang="en-US" smtClean="0"/>
-              <a:t>2025/2/6</a:t>
+              <a:t>2025/3/1</a:t>
             </a:fld>
             <a:endParaRPr lang="zh-TW" altLang="en-US"/>
           </a:p>
@@ -849,7 +849,7 @@
           <a:p>
             <a:fld id="{FF25ECE2-089A-4B5C-894D-2FDF9AF4E829}" type="datetimeFigureOut">
               <a:rPr lang="zh-TW" altLang="en-US" smtClean="0"/>
-              <a:t>2025/2/6</a:t>
+              <a:t>2025/3/1</a:t>
             </a:fld>
             <a:endParaRPr lang="zh-TW" altLang="en-US"/>
           </a:p>
@@ -1029,7 +1029,7 @@
           <a:p>
             <a:fld id="{FF25ECE2-089A-4B5C-894D-2FDF9AF4E829}" type="datetimeFigureOut">
               <a:rPr lang="zh-TW" altLang="en-US" smtClean="0"/>
-              <a:t>2025/2/6</a:t>
+              <a:t>2025/3/1</a:t>
             </a:fld>
             <a:endParaRPr lang="zh-TW" altLang="en-US"/>
           </a:p>
@@ -1199,7 +1199,7 @@
           <a:p>
             <a:fld id="{FF25ECE2-089A-4B5C-894D-2FDF9AF4E829}" type="datetimeFigureOut">
               <a:rPr lang="zh-TW" altLang="en-US" smtClean="0"/>
-              <a:t>2025/2/6</a:t>
+              <a:t>2025/3/1</a:t>
             </a:fld>
             <a:endParaRPr lang="zh-TW" altLang="en-US"/>
           </a:p>
@@ -1443,7 +1443,7 @@
           <a:p>
             <a:fld id="{FF25ECE2-089A-4B5C-894D-2FDF9AF4E829}" type="datetimeFigureOut">
               <a:rPr lang="zh-TW" altLang="en-US" smtClean="0"/>
-              <a:t>2025/2/6</a:t>
+              <a:t>2025/3/1</a:t>
             </a:fld>
             <a:endParaRPr lang="zh-TW" altLang="en-US"/>
           </a:p>
@@ -1675,7 +1675,7 @@
           <a:p>
             <a:fld id="{FF25ECE2-089A-4B5C-894D-2FDF9AF4E829}" type="datetimeFigureOut">
               <a:rPr lang="zh-TW" altLang="en-US" smtClean="0"/>
-              <a:t>2025/2/6</a:t>
+              <a:t>2025/3/1</a:t>
             </a:fld>
             <a:endParaRPr lang="zh-TW" altLang="en-US"/>
           </a:p>
@@ -2042,7 +2042,7 @@
           <a:p>
             <a:fld id="{FF25ECE2-089A-4B5C-894D-2FDF9AF4E829}" type="datetimeFigureOut">
               <a:rPr lang="zh-TW" altLang="en-US" smtClean="0"/>
-              <a:t>2025/2/6</a:t>
+              <a:t>2025/3/1</a:t>
             </a:fld>
             <a:endParaRPr lang="zh-TW" altLang="en-US"/>
           </a:p>
@@ -2160,7 +2160,7 @@
           <a:p>
             <a:fld id="{FF25ECE2-089A-4B5C-894D-2FDF9AF4E829}" type="datetimeFigureOut">
               <a:rPr lang="zh-TW" altLang="en-US" smtClean="0"/>
-              <a:t>2025/2/6</a:t>
+              <a:t>2025/3/1</a:t>
             </a:fld>
             <a:endParaRPr lang="zh-TW" altLang="en-US"/>
           </a:p>
@@ -2255,7 +2255,7 @@
           <a:p>
             <a:fld id="{FF25ECE2-089A-4B5C-894D-2FDF9AF4E829}" type="datetimeFigureOut">
               <a:rPr lang="zh-TW" altLang="en-US" smtClean="0"/>
-              <a:t>2025/2/6</a:t>
+              <a:t>2025/3/1</a:t>
             </a:fld>
             <a:endParaRPr lang="zh-TW" altLang="en-US"/>
           </a:p>
@@ -2532,7 +2532,7 @@
           <a:p>
             <a:fld id="{FF25ECE2-089A-4B5C-894D-2FDF9AF4E829}" type="datetimeFigureOut">
               <a:rPr lang="zh-TW" altLang="en-US" smtClean="0"/>
-              <a:t>2025/2/6</a:t>
+              <a:t>2025/3/1</a:t>
             </a:fld>
             <a:endParaRPr lang="zh-TW" altLang="en-US"/>
           </a:p>
@@ -2789,7 +2789,7 @@
           <a:p>
             <a:fld id="{FF25ECE2-089A-4B5C-894D-2FDF9AF4E829}" type="datetimeFigureOut">
               <a:rPr lang="zh-TW" altLang="en-US" smtClean="0"/>
-              <a:t>2025/2/6</a:t>
+              <a:t>2025/3/1</a:t>
             </a:fld>
             <a:endParaRPr lang="zh-TW" altLang="en-US"/>
           </a:p>
@@ -3002,7 +3002,7 @@
           <a:p>
             <a:fld id="{FF25ECE2-089A-4B5C-894D-2FDF9AF4E829}" type="datetimeFigureOut">
               <a:rPr lang="zh-TW" altLang="en-US" smtClean="0"/>
-              <a:t>2025/2/6</a:t>
+              <a:t>2025/3/1</a:t>
             </a:fld>
             <a:endParaRPr lang="zh-TW" altLang="en-US"/>
           </a:p>
@@ -3409,10 +3409,10 @@
       </p:grpSpPr>
       <p:pic>
         <p:nvPicPr>
-          <p:cNvPr id="3" name="圖片 2">
+          <p:cNvPr id="5" name="圖片 4">
             <a:extLst>
               <a:ext uri="{FF2B5EF4-FFF2-40B4-BE49-F238E27FC236}">
-                <a16:creationId xmlns:a16="http://schemas.microsoft.com/office/drawing/2014/main" id="{A15AB4A5-E8B0-494F-AAFC-6F8BFC6F7D02}"/>
+                <a16:creationId xmlns:a16="http://schemas.microsoft.com/office/drawing/2014/main" id="{EC592019-4F59-4F0F-8ECF-1F1BA96E6278}"/>
               </a:ext>
             </a:extLst>
           </p:cNvPr>
@@ -3435,7 +3435,7 @@
         </p:blipFill>
         <p:spPr>
           <a:xfrm>
-            <a:off x="3798000" y="0"/>
+            <a:off x="738000" y="0"/>
             <a:ext cx="3060000" cy="3400000"/>
           </a:xfrm>
           <a:prstGeom prst="rect">
@@ -3445,10 +3445,10 @@
       </p:pic>
       <p:pic>
         <p:nvPicPr>
-          <p:cNvPr id="25" name="圖片 24">
+          <p:cNvPr id="3" name="圖片 2">
             <a:extLst>
               <a:ext uri="{FF2B5EF4-FFF2-40B4-BE49-F238E27FC236}">
-                <a16:creationId xmlns:a16="http://schemas.microsoft.com/office/drawing/2014/main" id="{BD560A2F-AF2B-44D2-A3C0-0BB66F2A949E}"/>
+                <a16:creationId xmlns:a16="http://schemas.microsoft.com/office/drawing/2014/main" id="{A15AB4A5-E8B0-494F-AAFC-6F8BFC6F7D02}"/>
               </a:ext>
             </a:extLst>
           </p:cNvPr>
@@ -3471,7 +3471,7 @@
         </p:blipFill>
         <p:spPr>
           <a:xfrm>
-            <a:off x="738000" y="0"/>
+            <a:off x="3798000" y="0"/>
             <a:ext cx="3060000" cy="3400000"/>
           </a:xfrm>
           <a:prstGeom prst="rect">
